--- a/Nhom29-Powerpoint.pptx
+++ b/Nhom29-Powerpoint.pptx
@@ -6,14 +6,17 @@
   </p:sldMasterIdLst>
   <p:sldIdLst>
     <p:sldId id="256" r:id="rId2"/>
-    <p:sldId id="257" r:id="rId3"/>
-    <p:sldId id="258" r:id="rId4"/>
-    <p:sldId id="259" r:id="rId5"/>
-    <p:sldId id="260" r:id="rId6"/>
-    <p:sldId id="261" r:id="rId7"/>
-    <p:sldId id="262" r:id="rId8"/>
-    <p:sldId id="263" r:id="rId9"/>
-    <p:sldId id="264" r:id="rId10"/>
+    <p:sldId id="265" r:id="rId3"/>
+    <p:sldId id="266" r:id="rId4"/>
+    <p:sldId id="257" r:id="rId5"/>
+    <p:sldId id="258" r:id="rId6"/>
+    <p:sldId id="259" r:id="rId7"/>
+    <p:sldId id="260" r:id="rId8"/>
+    <p:sldId id="261" r:id="rId9"/>
+    <p:sldId id="262" r:id="rId10"/>
+    <p:sldId id="263" r:id="rId11"/>
+    <p:sldId id="267" r:id="rId12"/>
+    <p:sldId id="264" r:id="rId13"/>
   </p:sldIdLst>
   <p:sldSz cx="9144000" cy="6858000" type="screen4x3"/>
   <p:notesSz cx="6858000" cy="9144000"/>
@@ -4023,7 +4026,7 @@
         </p:nvSpPr>
         <p:spPr>
           <a:xfrm>
-            <a:off x="990600" y="4572000"/>
+            <a:off x="609600" y="4495800"/>
             <a:ext cx="7772400" cy="1470025"/>
           </a:xfrm>
           <a:prstGeom prst="rect">
@@ -4170,6 +4173,235 @@
               </a:rPr>
               <a:t>Lợi</a:t>
             </a:r>
+            <a:endParaRPr lang="en-US" sz="1800" dirty="0">
+              <a:solidFill>
+                <a:schemeClr val="tx1"/>
+              </a:solidFill>
+            </a:endParaRPr>
+          </a:p>
+        </p:txBody>
+      </p:sp>
+      <p:sp>
+        <p:nvSpPr>
+          <p:cNvPr id="5" name="Title 1"/>
+          <p:cNvSpPr txBox="1">
+            <a:spLocks/>
+          </p:cNvSpPr>
+          <p:nvPr/>
+        </p:nvSpPr>
+        <p:spPr>
+          <a:xfrm>
+            <a:off x="609600" y="3657600"/>
+            <a:ext cx="7772400" cy="1470025"/>
+          </a:xfrm>
+          <a:prstGeom prst="rect">
+            <a:avLst/>
+          </a:prstGeom>
+        </p:spPr>
+        <p:txBody>
+          <a:bodyPr vert="horz" lIns="45720" rIns="45720" bIns="45720" anchor="b">
+            <a:noAutofit/>
+          </a:bodyPr>
+          <a:lstStyle>
+            <a:lvl1pPr algn="r" rtl="0" eaLnBrk="1" latinLnBrk="0" hangingPunct="1">
+              <a:spcBef>
+                <a:spcPct val="0"/>
+              </a:spcBef>
+              <a:buNone/>
+              <a:defRPr kumimoji="0" sz="4500" b="1" kern="1200">
+                <a:solidFill>
+                  <a:schemeClr val="accent1">
+                    <a:tint val="88000"/>
+                    <a:satMod val="150000"/>
+                  </a:schemeClr>
+                </a:solidFill>
+                <a:effectLst>
+                  <a:outerShdw blurRad="53975" dist="22860" dir="5400000" algn="tl" rotWithShape="0">
+                    <a:srgbClr val="000000">
+                      <a:alpha val="55000"/>
+                    </a:srgbClr>
+                  </a:outerShdw>
+                </a:effectLst>
+                <a:latin typeface="+mj-lt"/>
+                <a:ea typeface="+mj-ea"/>
+                <a:cs typeface="+mj-cs"/>
+              </a:defRPr>
+            </a:lvl1pPr>
+            <a:extLst/>
+          </a:lstStyle>
+          <a:p>
+            <a:pPr algn="l"/>
+            <a:endParaRPr lang="en-US" sz="1800" dirty="0" smtClean="0">
+              <a:solidFill>
+                <a:schemeClr val="tx1"/>
+              </a:solidFill>
+            </a:endParaRPr>
+          </a:p>
+          <a:p>
+            <a:pPr algn="l"/>
+            <a:r>
+              <a:rPr lang="en-US" sz="1800" dirty="0" err="1" smtClean="0">
+                <a:solidFill>
+                  <a:schemeClr val="tx1"/>
+                </a:solidFill>
+              </a:rPr>
+              <a:t>Lập</a:t>
+            </a:r>
+            <a:r>
+              <a:rPr lang="en-US" sz="1800" dirty="0" smtClean="0">
+                <a:solidFill>
+                  <a:schemeClr val="tx1"/>
+                </a:solidFill>
+              </a:rPr>
+              <a:t> </a:t>
+            </a:r>
+            <a:r>
+              <a:rPr lang="en-US" sz="1800" dirty="0" err="1" smtClean="0">
+                <a:solidFill>
+                  <a:schemeClr val="tx1"/>
+                </a:solidFill>
+              </a:rPr>
+              <a:t>trình</a:t>
+            </a:r>
+            <a:r>
+              <a:rPr lang="en-US" sz="1800" dirty="0" smtClean="0">
+                <a:solidFill>
+                  <a:schemeClr val="tx1"/>
+                </a:solidFill>
+              </a:rPr>
+              <a:t> di </a:t>
+            </a:r>
+            <a:r>
+              <a:rPr lang="en-US" sz="1800" dirty="0" err="1" smtClean="0">
+                <a:solidFill>
+                  <a:schemeClr val="tx1"/>
+                </a:solidFill>
+              </a:rPr>
+              <a:t>động</a:t>
+            </a:r>
+            <a:r>
+              <a:rPr lang="en-US" sz="1800" dirty="0" smtClean="0">
+                <a:solidFill>
+                  <a:schemeClr val="tx1"/>
+                </a:solidFill>
+              </a:rPr>
+              <a:t> 2</a:t>
+            </a:r>
+          </a:p>
+          <a:p>
+            <a:pPr algn="l"/>
+            <a:r>
+              <a:rPr lang="en-US" sz="1800" dirty="0" err="1" smtClean="0">
+                <a:solidFill>
+                  <a:schemeClr val="tx1"/>
+                </a:solidFill>
+              </a:rPr>
+              <a:t>Giáo</a:t>
+            </a:r>
+            <a:r>
+              <a:rPr lang="en-US" sz="1800" dirty="0" smtClean="0">
+                <a:solidFill>
+                  <a:schemeClr val="tx1"/>
+                </a:solidFill>
+              </a:rPr>
+              <a:t> </a:t>
+            </a:r>
+            <a:r>
+              <a:rPr lang="en-US" sz="1800" dirty="0" err="1" smtClean="0">
+                <a:solidFill>
+                  <a:schemeClr val="tx1"/>
+                </a:solidFill>
+              </a:rPr>
+              <a:t>viên</a:t>
+            </a:r>
+            <a:r>
+              <a:rPr lang="en-US" sz="1800" dirty="0" smtClean="0">
+                <a:solidFill>
+                  <a:schemeClr val="tx1"/>
+                </a:solidFill>
+              </a:rPr>
+              <a:t> </a:t>
+            </a:r>
+            <a:r>
+              <a:rPr lang="en-US" sz="1800" dirty="0" err="1" smtClean="0">
+                <a:solidFill>
+                  <a:schemeClr val="tx1"/>
+                </a:solidFill>
+              </a:rPr>
+              <a:t>hướng</a:t>
+            </a:r>
+            <a:r>
+              <a:rPr lang="en-US" sz="1800" dirty="0" smtClean="0">
+                <a:solidFill>
+                  <a:schemeClr val="tx1"/>
+                </a:solidFill>
+              </a:rPr>
+              <a:t> </a:t>
+            </a:r>
+            <a:r>
+              <a:rPr lang="en-US" sz="1800" dirty="0" err="1" smtClean="0">
+                <a:solidFill>
+                  <a:schemeClr val="tx1"/>
+                </a:solidFill>
+              </a:rPr>
+              <a:t>dẫn</a:t>
+            </a:r>
+            <a:r>
+              <a:rPr lang="en-US" sz="1800" dirty="0" smtClean="0">
+                <a:solidFill>
+                  <a:schemeClr val="tx1"/>
+                </a:solidFill>
+              </a:rPr>
+              <a:t>: </a:t>
+            </a:r>
+            <a:r>
+              <a:rPr lang="en-US" sz="1800" dirty="0" err="1" smtClean="0">
+                <a:solidFill>
+                  <a:schemeClr val="tx1"/>
+                </a:solidFill>
+              </a:rPr>
+              <a:t>Trương</a:t>
+            </a:r>
+            <a:r>
+              <a:rPr lang="en-US" sz="1800" dirty="0" smtClean="0">
+                <a:solidFill>
+                  <a:schemeClr val="tx1"/>
+                </a:solidFill>
+              </a:rPr>
+              <a:t> </a:t>
+            </a:r>
+            <a:r>
+              <a:rPr lang="en-US" sz="1800" dirty="0" err="1" smtClean="0">
+                <a:solidFill>
+                  <a:schemeClr val="tx1"/>
+                </a:solidFill>
+              </a:rPr>
+              <a:t>Bá</a:t>
+            </a:r>
+            <a:r>
+              <a:rPr lang="en-US" sz="1800" dirty="0" smtClean="0">
+                <a:solidFill>
+                  <a:schemeClr val="tx1"/>
+                </a:solidFill>
+              </a:rPr>
+              <a:t> </a:t>
+            </a:r>
+            <a:r>
+              <a:rPr lang="en-US" sz="1800" dirty="0" err="1" smtClean="0">
+                <a:solidFill>
+                  <a:schemeClr val="tx1"/>
+                </a:solidFill>
+              </a:rPr>
+              <a:t>Thái</a:t>
+            </a:r>
+            <a:endParaRPr lang="en-US" sz="1800" dirty="0" smtClean="0">
+              <a:solidFill>
+                <a:schemeClr val="tx1"/>
+              </a:solidFill>
+            </a:endParaRPr>
+          </a:p>
+          <a:p>
+            <a:pPr algn="l"/>
             <a:endParaRPr lang="en-US" sz="1800" dirty="0">
               <a:solidFill>
                 <a:schemeClr val="tx1"/>
@@ -4198,7 +4430,1870 @@
 </p:sld>
 </file>
 
+<file path=ppt/slides/slide10.xml><?xml version="1.0" encoding="utf-8"?>
+<p:sld xmlns:a="http://schemas.openxmlformats.org/drawingml/2006/main" xmlns:r="http://schemas.openxmlformats.org/officeDocument/2006/relationships" xmlns:p="http://schemas.openxmlformats.org/presentationml/2006/main">
+  <p:cSld>
+    <p:spTree>
+      <p:nvGrpSpPr>
+        <p:cNvPr id="1" name=""/>
+        <p:cNvGrpSpPr/>
+        <p:nvPr/>
+      </p:nvGrpSpPr>
+      <p:grpSpPr>
+        <a:xfrm>
+          <a:off x="0" y="0"/>
+          <a:ext cx="0" cy="0"/>
+          <a:chOff x="0" y="0"/>
+          <a:chExt cx="0" cy="0"/>
+        </a:xfrm>
+      </p:grpSpPr>
+      <p:sp>
+        <p:nvSpPr>
+          <p:cNvPr id="2" name="Title 1"/>
+          <p:cNvSpPr>
+            <a:spLocks noGrp="1"/>
+          </p:cNvSpPr>
+          <p:nvPr>
+            <p:ph type="title"/>
+          </p:nvPr>
+        </p:nvSpPr>
+        <p:spPr/>
+        <p:txBody>
+          <a:bodyPr>
+            <a:normAutofit/>
+          </a:bodyPr>
+          <a:lstStyle/>
+          <a:p>
+            <a:pPr algn="ctr"/>
+            <a:r>
+              <a:rPr lang="en-US" sz="2800" dirty="0" err="1" smtClean="0"/>
+              <a:t>Thống</a:t>
+            </a:r>
+            <a:r>
+              <a:rPr lang="en-US" sz="2800" dirty="0" smtClean="0"/>
+              <a:t> </a:t>
+            </a:r>
+            <a:r>
+              <a:rPr lang="en-US" sz="2800" dirty="0" err="1" smtClean="0"/>
+              <a:t>kê</a:t>
+            </a:r>
+            <a:endParaRPr lang="en-US" sz="2800" dirty="0"/>
+          </a:p>
+        </p:txBody>
+      </p:sp>
+      <p:pic>
+        <p:nvPicPr>
+          <p:cNvPr id="7170" name="Picture 2" descr="C:\Users\Administrator\Downloads\117269142_3710321042330894_6611615967951595025_n.png"/>
+          <p:cNvPicPr>
+            <a:picLocks noChangeAspect="1" noChangeArrowheads="1"/>
+          </p:cNvPicPr>
+          <p:nvPr/>
+        </p:nvPicPr>
+        <p:blipFill>
+          <a:blip r:embed="rId2">
+            <a:extLst>
+              <a:ext uri="{28A0092B-C50C-407E-A947-70E740481C1C}">
+                <a14:useLocalDpi xmlns:a14="http://schemas.microsoft.com/office/drawing/2010/main" val="0"/>
+              </a:ext>
+            </a:extLst>
+          </a:blip>
+          <a:srcRect/>
+          <a:stretch>
+            <a:fillRect/>
+          </a:stretch>
+        </p:blipFill>
+        <p:spPr bwMode="auto">
+          <a:xfrm>
+            <a:off x="838200" y="533400"/>
+            <a:ext cx="2786063" cy="4953000"/>
+          </a:xfrm>
+          <a:prstGeom prst="rect">
+            <a:avLst/>
+          </a:prstGeom>
+          <a:noFill/>
+          <a:extLst>
+            <a:ext uri="{909E8E84-426E-40DD-AFC4-6F175D3DCCD1}">
+              <a14:hiddenFill xmlns:a14="http://schemas.microsoft.com/office/drawing/2010/main">
+                <a:solidFill>
+                  <a:srgbClr val="FFFFFF"/>
+                </a:solidFill>
+              </a14:hiddenFill>
+            </a:ext>
+          </a:extLst>
+        </p:spPr>
+      </p:pic>
+      <p:pic>
+        <p:nvPicPr>
+          <p:cNvPr id="7172" name="Picture 4" descr="C:\Users\Administrator\Downloads\117707444_337179154104294_8405834123144889048_n.png"/>
+          <p:cNvPicPr>
+            <a:picLocks noChangeAspect="1" noChangeArrowheads="1"/>
+          </p:cNvPicPr>
+          <p:nvPr/>
+        </p:nvPicPr>
+        <p:blipFill>
+          <a:blip r:embed="rId3">
+            <a:extLst>
+              <a:ext uri="{28A0092B-C50C-407E-A947-70E740481C1C}">
+                <a14:useLocalDpi xmlns:a14="http://schemas.microsoft.com/office/drawing/2010/main" val="0"/>
+              </a:ext>
+            </a:extLst>
+          </a:blip>
+          <a:srcRect/>
+          <a:stretch>
+            <a:fillRect/>
+          </a:stretch>
+        </p:blipFill>
+        <p:spPr bwMode="auto">
+          <a:xfrm>
+            <a:off x="4572000" y="533400"/>
+            <a:ext cx="3171825" cy="4953000"/>
+          </a:xfrm>
+          <a:prstGeom prst="rect">
+            <a:avLst/>
+          </a:prstGeom>
+          <a:noFill/>
+          <a:extLst>
+            <a:ext uri="{909E8E84-426E-40DD-AFC4-6F175D3DCCD1}">
+              <a14:hiddenFill xmlns:a14="http://schemas.microsoft.com/office/drawing/2010/main">
+                <a:solidFill>
+                  <a:srgbClr val="FFFFFF"/>
+                </a:solidFill>
+              </a14:hiddenFill>
+            </a:ext>
+          </a:extLst>
+        </p:spPr>
+      </p:pic>
+    </p:spTree>
+    <p:extLst>
+      <p:ext uri="{BB962C8B-B14F-4D97-AF65-F5344CB8AC3E}">
+        <p14:creationId xmlns:p14="http://schemas.microsoft.com/office/powerpoint/2010/main" val="3414237604"/>
+      </p:ext>
+    </p:extLst>
+  </p:cSld>
+  <p:clrMapOvr>
+    <a:masterClrMapping/>
+  </p:clrMapOvr>
+</p:sld>
+</file>
+
+<file path=ppt/slides/slide11.xml><?xml version="1.0" encoding="utf-8"?>
+<p:sld xmlns:a="http://schemas.openxmlformats.org/drawingml/2006/main" xmlns:r="http://schemas.openxmlformats.org/officeDocument/2006/relationships" xmlns:p="http://schemas.openxmlformats.org/presentationml/2006/main">
+  <p:cSld>
+    <p:spTree>
+      <p:nvGrpSpPr>
+        <p:cNvPr id="1" name=""/>
+        <p:cNvGrpSpPr/>
+        <p:nvPr/>
+      </p:nvGrpSpPr>
+      <p:grpSpPr>
+        <a:xfrm>
+          <a:off x="0" y="0"/>
+          <a:ext cx="0" cy="0"/>
+          <a:chOff x="0" y="0"/>
+          <a:chExt cx="0" cy="0"/>
+        </a:xfrm>
+      </p:grpSpPr>
+      <p:sp>
+        <p:nvSpPr>
+          <p:cNvPr id="2" name="Title 1"/>
+          <p:cNvSpPr>
+            <a:spLocks noGrp="1"/>
+          </p:cNvSpPr>
+          <p:nvPr>
+            <p:ph type="title"/>
+          </p:nvPr>
+        </p:nvSpPr>
+        <p:spPr>
+          <a:xfrm>
+            <a:off x="472440" y="533400"/>
+            <a:ext cx="8183880" cy="1051560"/>
+          </a:xfrm>
+        </p:spPr>
+        <p:txBody>
+          <a:bodyPr>
+            <a:normAutofit fontScale="90000"/>
+          </a:bodyPr>
+          <a:lstStyle/>
+          <a:p>
+            <a:r>
+              <a:rPr lang="en-US" dirty="0" err="1" smtClean="0"/>
+              <a:t>Những</a:t>
+            </a:r>
+            <a:r>
+              <a:rPr lang="en-US" dirty="0" smtClean="0"/>
+              <a:t> </a:t>
+            </a:r>
+            <a:r>
+              <a:rPr lang="en-US" dirty="0" err="1" smtClean="0"/>
+              <a:t>phần</a:t>
+            </a:r>
+            <a:r>
+              <a:rPr lang="en-US" dirty="0" smtClean="0"/>
+              <a:t> </a:t>
+            </a:r>
+            <a:r>
+              <a:rPr lang="en-US" dirty="0" err="1" smtClean="0"/>
+              <a:t>cải</a:t>
+            </a:r>
+            <a:r>
+              <a:rPr lang="en-US" dirty="0" smtClean="0"/>
+              <a:t> </a:t>
+            </a:r>
+            <a:r>
+              <a:rPr lang="en-US" dirty="0" err="1" smtClean="0"/>
+              <a:t>thiện</a:t>
+            </a:r>
+            <a:r>
+              <a:rPr lang="en-US" dirty="0" smtClean="0"/>
+              <a:t> </a:t>
+            </a:r>
+            <a:r>
+              <a:rPr lang="en-US" dirty="0" err="1" smtClean="0"/>
+              <a:t>từ</a:t>
+            </a:r>
+            <a:r>
+              <a:rPr lang="en-US" dirty="0" smtClean="0"/>
+              <a:t> </a:t>
+            </a:r>
+            <a:r>
+              <a:rPr lang="en-US" dirty="0" err="1" smtClean="0"/>
+              <a:t>góp</a:t>
+            </a:r>
+            <a:r>
+              <a:rPr lang="en-US" dirty="0" smtClean="0"/>
+              <a:t> ý </a:t>
+            </a:r>
+            <a:r>
+              <a:rPr lang="en-US" dirty="0" err="1" smtClean="0"/>
+              <a:t>của</a:t>
+            </a:r>
+            <a:r>
+              <a:rPr lang="en-US" dirty="0" smtClean="0"/>
+              <a:t> </a:t>
+            </a:r>
+            <a:r>
+              <a:rPr lang="en-US" dirty="0" err="1" smtClean="0"/>
+              <a:t>Thầy</a:t>
+            </a:r>
+            <a:endParaRPr lang="en-US" dirty="0"/>
+          </a:p>
+        </p:txBody>
+      </p:sp>
+      <p:sp>
+        <p:nvSpPr>
+          <p:cNvPr id="4" name="Title 1"/>
+          <p:cNvSpPr txBox="1">
+            <a:spLocks/>
+          </p:cNvSpPr>
+          <p:nvPr/>
+        </p:nvSpPr>
+        <p:spPr>
+          <a:xfrm>
+            <a:off x="494899" y="3048000"/>
+            <a:ext cx="8183880" cy="1051560"/>
+          </a:xfrm>
+          <a:prstGeom prst="rect">
+            <a:avLst/>
+          </a:prstGeom>
+        </p:spPr>
+        <p:txBody>
+          <a:bodyPr vert="horz" anchor="b">
+            <a:noAutofit/>
+          </a:bodyPr>
+          <a:lstStyle>
+            <a:lvl1pPr algn="l" rtl="0" eaLnBrk="1" latinLnBrk="0" hangingPunct="1">
+              <a:spcBef>
+                <a:spcPct val="0"/>
+              </a:spcBef>
+              <a:buNone/>
+              <a:defRPr kumimoji="0" sz="3600" b="1" kern="1200">
+                <a:solidFill>
+                  <a:schemeClr val="accent1">
+                    <a:tint val="88000"/>
+                    <a:satMod val="150000"/>
+                  </a:schemeClr>
+                </a:solidFill>
+                <a:effectLst>
+                  <a:outerShdw blurRad="53975" dist="22860" dir="5400000" algn="tl" rotWithShape="0">
+                    <a:srgbClr val="000000">
+                      <a:alpha val="55000"/>
+                    </a:srgbClr>
+                  </a:outerShdw>
+                </a:effectLst>
+                <a:latin typeface="+mj-lt"/>
+                <a:ea typeface="+mj-ea"/>
+                <a:cs typeface="+mj-cs"/>
+              </a:defRPr>
+            </a:lvl1pPr>
+            <a:extLst/>
+          </a:lstStyle>
+          <a:p>
+            <a:r>
+              <a:rPr lang="en-US" sz="2000" dirty="0" smtClean="0">
+                <a:solidFill>
+                  <a:schemeClr val="tx1"/>
+                </a:solidFill>
+              </a:rPr>
+              <a:t>-    Text </a:t>
+            </a:r>
+            <a:r>
+              <a:rPr lang="en-US" sz="2000" dirty="0" err="1" smtClean="0">
+                <a:solidFill>
+                  <a:schemeClr val="tx1"/>
+                </a:solidFill>
+              </a:rPr>
+              <a:t>inputlayout</a:t>
+            </a:r>
+            <a:r>
+              <a:rPr lang="en-US" sz="2000" dirty="0" smtClean="0">
+                <a:solidFill>
+                  <a:schemeClr val="tx1"/>
+                </a:solidFill>
+              </a:rPr>
+              <a:t>, custom button</a:t>
+            </a:r>
+          </a:p>
+          <a:p>
+            <a:pPr marL="457200" indent="-457200">
+              <a:buFontTx/>
+              <a:buChar char="-"/>
+            </a:pPr>
+            <a:r>
+              <a:rPr lang="en-US" sz="2000" dirty="0" err="1" smtClean="0">
+                <a:solidFill>
+                  <a:schemeClr val="tx1"/>
+                </a:solidFill>
+              </a:rPr>
+              <a:t>Liên</a:t>
+            </a:r>
+            <a:r>
+              <a:rPr lang="en-US" sz="2000" dirty="0" smtClean="0">
+                <a:solidFill>
+                  <a:schemeClr val="tx1"/>
+                </a:solidFill>
+              </a:rPr>
+              <a:t> </a:t>
+            </a:r>
+            <a:r>
+              <a:rPr lang="en-US" sz="2000" dirty="0" err="1" smtClean="0">
+                <a:solidFill>
+                  <a:schemeClr val="tx1"/>
+                </a:solidFill>
+              </a:rPr>
+              <a:t>kết</a:t>
+            </a:r>
+            <a:r>
+              <a:rPr lang="en-US" sz="2000" dirty="0" smtClean="0">
+                <a:solidFill>
+                  <a:schemeClr val="tx1"/>
+                </a:solidFill>
+              </a:rPr>
+              <a:t> </a:t>
+            </a:r>
+            <a:r>
+              <a:rPr lang="en-US" sz="2000" dirty="0" err="1" smtClean="0">
+                <a:solidFill>
+                  <a:schemeClr val="tx1"/>
+                </a:solidFill>
+              </a:rPr>
+              <a:t>các</a:t>
+            </a:r>
+            <a:r>
+              <a:rPr lang="en-US" sz="2000" dirty="0" smtClean="0">
+                <a:solidFill>
+                  <a:schemeClr val="tx1"/>
+                </a:solidFill>
+              </a:rPr>
+              <a:t> </a:t>
+            </a:r>
+            <a:r>
+              <a:rPr lang="en-US" sz="2000" dirty="0" err="1" smtClean="0">
+                <a:solidFill>
+                  <a:schemeClr val="tx1"/>
+                </a:solidFill>
+              </a:rPr>
+              <a:t>bảng</a:t>
+            </a:r>
+            <a:endParaRPr lang="en-US" sz="2000" dirty="0" smtClean="0">
+              <a:solidFill>
+                <a:schemeClr val="tx1"/>
+              </a:solidFill>
+            </a:endParaRPr>
+          </a:p>
+          <a:p>
+            <a:pPr marL="457200" indent="-457200">
+              <a:buFontTx/>
+              <a:buChar char="-"/>
+            </a:pPr>
+            <a:r>
+              <a:rPr lang="en-US" sz="2000" dirty="0" smtClean="0">
+                <a:solidFill>
+                  <a:schemeClr val="tx1"/>
+                </a:solidFill>
+              </a:rPr>
+              <a:t>Custom pinner </a:t>
+            </a:r>
+            <a:r>
+              <a:rPr lang="en-US" sz="2000" dirty="0" err="1" smtClean="0">
+                <a:solidFill>
+                  <a:schemeClr val="tx1"/>
+                </a:solidFill>
+              </a:rPr>
+              <a:t>hình</a:t>
+            </a:r>
+            <a:r>
+              <a:rPr lang="en-US" sz="2000" dirty="0" smtClean="0">
+                <a:solidFill>
+                  <a:schemeClr val="tx1"/>
+                </a:solidFill>
+              </a:rPr>
+              <a:t> </a:t>
+            </a:r>
+            <a:r>
+              <a:rPr lang="en-US" sz="2000" dirty="0" err="1" smtClean="0">
+                <a:solidFill>
+                  <a:schemeClr val="tx1"/>
+                </a:solidFill>
+              </a:rPr>
+              <a:t>ảnh</a:t>
+            </a:r>
+            <a:endParaRPr lang="en-US" sz="2000" dirty="0" smtClean="0">
+              <a:solidFill>
+                <a:schemeClr val="tx1"/>
+              </a:solidFill>
+            </a:endParaRPr>
+          </a:p>
+          <a:p>
+            <a:pPr marL="457200" indent="-457200">
+              <a:buFontTx/>
+              <a:buChar char="-"/>
+            </a:pPr>
+            <a:r>
+              <a:rPr lang="en-US" sz="2000" dirty="0" err="1" smtClean="0">
+                <a:solidFill>
+                  <a:schemeClr val="tx1"/>
+                </a:solidFill>
+              </a:rPr>
+              <a:t>Thêm</a:t>
+            </a:r>
+            <a:r>
+              <a:rPr lang="en-US" sz="2000" dirty="0" smtClean="0">
+                <a:solidFill>
+                  <a:schemeClr val="tx1"/>
+                </a:solidFill>
+              </a:rPr>
+              <a:t> </a:t>
+            </a:r>
+            <a:r>
+              <a:rPr lang="en-US" sz="2000" dirty="0" err="1" smtClean="0">
+                <a:solidFill>
+                  <a:schemeClr val="tx1"/>
+                </a:solidFill>
+              </a:rPr>
+              <a:t>có</a:t>
+            </a:r>
+            <a:r>
+              <a:rPr lang="en-US" sz="2000" dirty="0" smtClean="0">
+                <a:solidFill>
+                  <a:schemeClr val="tx1"/>
+                </a:solidFill>
+              </a:rPr>
+              <a:t> </a:t>
+            </a:r>
+            <a:r>
+              <a:rPr lang="en-US" sz="2000" dirty="0" err="1" smtClean="0">
+                <a:solidFill>
+                  <a:schemeClr val="tx1"/>
+                </a:solidFill>
+              </a:rPr>
+              <a:t>hình</a:t>
+            </a:r>
+            <a:r>
+              <a:rPr lang="en-US" sz="2000" dirty="0" smtClean="0">
+                <a:solidFill>
+                  <a:schemeClr val="tx1"/>
+                </a:solidFill>
+              </a:rPr>
+              <a:t> </a:t>
+            </a:r>
+            <a:r>
+              <a:rPr lang="en-US" sz="2000" dirty="0" err="1" smtClean="0">
+                <a:solidFill>
+                  <a:schemeClr val="tx1"/>
+                </a:solidFill>
+              </a:rPr>
+              <a:t>ảnh</a:t>
+            </a:r>
+            <a:endParaRPr lang="en-US" sz="2000" dirty="0" smtClean="0">
+              <a:solidFill>
+                <a:schemeClr val="tx1"/>
+              </a:solidFill>
+            </a:endParaRPr>
+          </a:p>
+          <a:p>
+            <a:pPr marL="457200" indent="-457200">
+              <a:buFontTx/>
+              <a:buChar char="-"/>
+            </a:pPr>
+            <a:r>
+              <a:rPr lang="en-US" sz="2000" dirty="0" err="1" smtClean="0">
+                <a:solidFill>
+                  <a:schemeClr val="tx1"/>
+                </a:solidFill>
+              </a:rPr>
+              <a:t>Thông</a:t>
+            </a:r>
+            <a:r>
+              <a:rPr lang="en-US" sz="2000" dirty="0" smtClean="0">
+                <a:solidFill>
+                  <a:schemeClr val="tx1"/>
+                </a:solidFill>
+              </a:rPr>
+              <a:t> </a:t>
+            </a:r>
+            <a:r>
+              <a:rPr lang="en-US" sz="2000" dirty="0" err="1" smtClean="0">
+                <a:solidFill>
+                  <a:schemeClr val="tx1"/>
+                </a:solidFill>
+              </a:rPr>
+              <a:t>kê</a:t>
+            </a:r>
+            <a:r>
+              <a:rPr lang="en-US" sz="2000" dirty="0" smtClean="0">
+                <a:solidFill>
+                  <a:schemeClr val="tx1"/>
+                </a:solidFill>
+              </a:rPr>
+              <a:t> ca </a:t>
+            </a:r>
+            <a:r>
+              <a:rPr lang="en-US" sz="2000" dirty="0" err="1" smtClean="0">
+                <a:solidFill>
+                  <a:schemeClr val="tx1"/>
+                </a:solidFill>
+              </a:rPr>
+              <a:t>sĩ</a:t>
+            </a:r>
+            <a:r>
+              <a:rPr lang="en-US" sz="2000" dirty="0" smtClean="0">
+                <a:solidFill>
+                  <a:schemeClr val="tx1"/>
+                </a:solidFill>
+              </a:rPr>
+              <a:t> </a:t>
+            </a:r>
+            <a:r>
+              <a:rPr lang="en-US" sz="2000" dirty="0" err="1" smtClean="0">
+                <a:solidFill>
+                  <a:schemeClr val="tx1"/>
+                </a:solidFill>
+              </a:rPr>
+              <a:t>trình</a:t>
+            </a:r>
+            <a:r>
+              <a:rPr lang="en-US" sz="2000" dirty="0" smtClean="0">
+                <a:solidFill>
+                  <a:schemeClr val="tx1"/>
+                </a:solidFill>
+              </a:rPr>
+              <a:t> </a:t>
+            </a:r>
+            <a:r>
+              <a:rPr lang="en-US" sz="2000" dirty="0" err="1" smtClean="0">
+                <a:solidFill>
+                  <a:schemeClr val="tx1"/>
+                </a:solidFill>
+              </a:rPr>
+              <a:t>bày</a:t>
+            </a:r>
+            <a:r>
+              <a:rPr lang="en-US" sz="2000" dirty="0" smtClean="0">
+                <a:solidFill>
+                  <a:schemeClr val="tx1"/>
+                </a:solidFill>
+              </a:rPr>
+              <a:t> </a:t>
+            </a:r>
+            <a:r>
+              <a:rPr lang="en-US" sz="2000" dirty="0" err="1" smtClean="0">
+                <a:solidFill>
+                  <a:schemeClr val="tx1"/>
+                </a:solidFill>
+              </a:rPr>
+              <a:t>những</a:t>
+            </a:r>
+            <a:r>
+              <a:rPr lang="en-US" sz="2000" dirty="0" smtClean="0">
+                <a:solidFill>
+                  <a:schemeClr val="tx1"/>
+                </a:solidFill>
+              </a:rPr>
+              <a:t> </a:t>
+            </a:r>
+            <a:r>
+              <a:rPr lang="en-US" sz="2000" dirty="0" err="1" smtClean="0">
+                <a:solidFill>
+                  <a:schemeClr val="tx1"/>
+                </a:solidFill>
+              </a:rPr>
+              <a:t>bài</a:t>
+            </a:r>
+            <a:r>
+              <a:rPr lang="en-US" sz="2000" dirty="0" smtClean="0">
+                <a:solidFill>
+                  <a:schemeClr val="tx1"/>
+                </a:solidFill>
+              </a:rPr>
+              <a:t> </a:t>
+            </a:r>
+            <a:r>
+              <a:rPr lang="en-US" sz="2000" dirty="0" err="1" smtClean="0">
+                <a:solidFill>
+                  <a:schemeClr val="tx1"/>
+                </a:solidFill>
+              </a:rPr>
+              <a:t>hát</a:t>
+            </a:r>
+            <a:r>
+              <a:rPr lang="en-US" sz="2000" dirty="0" smtClean="0">
+                <a:solidFill>
+                  <a:schemeClr val="tx1"/>
+                </a:solidFill>
+              </a:rPr>
+              <a:t> </a:t>
+            </a:r>
+            <a:r>
+              <a:rPr lang="en-US" sz="2000" dirty="0" err="1" smtClean="0">
+                <a:solidFill>
+                  <a:schemeClr val="tx1"/>
+                </a:solidFill>
+              </a:rPr>
+              <a:t>nào</a:t>
+            </a:r>
+            <a:endParaRPr lang="en-US" sz="2000" dirty="0" smtClean="0">
+              <a:solidFill>
+                <a:schemeClr val="tx1"/>
+              </a:solidFill>
+            </a:endParaRPr>
+          </a:p>
+          <a:p>
+            <a:pPr marL="457200" indent="-457200">
+              <a:buFontTx/>
+              <a:buChar char="-"/>
+            </a:pPr>
+            <a:r>
+              <a:rPr lang="en-US" sz="2000" dirty="0" err="1" smtClean="0">
+                <a:solidFill>
+                  <a:schemeClr val="tx1"/>
+                </a:solidFill>
+              </a:rPr>
+              <a:t>Thống</a:t>
+            </a:r>
+            <a:r>
+              <a:rPr lang="en-US" sz="2000" dirty="0" smtClean="0">
+                <a:solidFill>
+                  <a:schemeClr val="tx1"/>
+                </a:solidFill>
+              </a:rPr>
+              <a:t> </a:t>
+            </a:r>
+            <a:r>
+              <a:rPr lang="en-US" sz="2000" dirty="0" err="1" smtClean="0">
+                <a:solidFill>
+                  <a:schemeClr val="tx1"/>
+                </a:solidFill>
+              </a:rPr>
+              <a:t>kê</a:t>
+            </a:r>
+            <a:r>
+              <a:rPr lang="en-US" sz="2000" dirty="0" smtClean="0">
+                <a:solidFill>
+                  <a:schemeClr val="tx1"/>
+                </a:solidFill>
+              </a:rPr>
+              <a:t> </a:t>
+            </a:r>
+            <a:r>
+              <a:rPr lang="en-US" sz="2000" dirty="0" err="1" smtClean="0">
+                <a:solidFill>
+                  <a:schemeClr val="tx1"/>
+                </a:solidFill>
+              </a:rPr>
+              <a:t>nhạc</a:t>
+            </a:r>
+            <a:r>
+              <a:rPr lang="en-US" sz="2000" dirty="0" smtClean="0">
+                <a:solidFill>
+                  <a:schemeClr val="tx1"/>
+                </a:solidFill>
+              </a:rPr>
+              <a:t> </a:t>
+            </a:r>
+            <a:r>
+              <a:rPr lang="en-US" sz="2000" dirty="0" err="1" smtClean="0">
+                <a:solidFill>
+                  <a:schemeClr val="tx1"/>
+                </a:solidFill>
+              </a:rPr>
+              <a:t>sĩ</a:t>
+            </a:r>
+            <a:r>
+              <a:rPr lang="en-US" sz="2000" dirty="0" smtClean="0">
+                <a:solidFill>
+                  <a:schemeClr val="tx1"/>
+                </a:solidFill>
+              </a:rPr>
+              <a:t> </a:t>
+            </a:r>
+            <a:r>
+              <a:rPr lang="en-US" sz="2000" dirty="0" err="1" smtClean="0">
+                <a:solidFill>
+                  <a:schemeClr val="tx1"/>
+                </a:solidFill>
+              </a:rPr>
+              <a:t>sáng</a:t>
+            </a:r>
+            <a:r>
+              <a:rPr lang="en-US" sz="2000" dirty="0" smtClean="0">
+                <a:solidFill>
+                  <a:schemeClr val="tx1"/>
+                </a:solidFill>
+              </a:rPr>
+              <a:t> </a:t>
+            </a:r>
+            <a:r>
+              <a:rPr lang="en-US" sz="2000" dirty="0" err="1" smtClean="0">
+                <a:solidFill>
+                  <a:schemeClr val="tx1"/>
+                </a:solidFill>
+              </a:rPr>
+              <a:t>tác</a:t>
+            </a:r>
+            <a:r>
+              <a:rPr lang="en-US" sz="2000" dirty="0" smtClean="0">
+                <a:solidFill>
+                  <a:schemeClr val="tx1"/>
+                </a:solidFill>
+              </a:rPr>
+              <a:t> </a:t>
+            </a:r>
+            <a:r>
+              <a:rPr lang="en-US" sz="2000" dirty="0" err="1" smtClean="0">
+                <a:solidFill>
+                  <a:schemeClr val="tx1"/>
+                </a:solidFill>
+              </a:rPr>
+              <a:t>bao</a:t>
+            </a:r>
+            <a:r>
+              <a:rPr lang="en-US" sz="2000" dirty="0" smtClean="0">
+                <a:solidFill>
+                  <a:schemeClr val="tx1"/>
+                </a:solidFill>
+              </a:rPr>
+              <a:t> </a:t>
+            </a:r>
+            <a:r>
+              <a:rPr lang="en-US" sz="2000" dirty="0" err="1" smtClean="0">
+                <a:solidFill>
+                  <a:schemeClr val="tx1"/>
+                </a:solidFill>
+              </a:rPr>
+              <a:t>nhiêu</a:t>
+            </a:r>
+            <a:r>
+              <a:rPr lang="en-US" sz="2000" dirty="0" smtClean="0">
+                <a:solidFill>
+                  <a:schemeClr val="tx1"/>
+                </a:solidFill>
+              </a:rPr>
+              <a:t> </a:t>
+            </a:r>
+            <a:r>
+              <a:rPr lang="en-US" sz="2000" dirty="0" err="1" smtClean="0">
+                <a:solidFill>
+                  <a:schemeClr val="tx1"/>
+                </a:solidFill>
+              </a:rPr>
+              <a:t>bài</a:t>
+            </a:r>
+            <a:r>
+              <a:rPr lang="en-US" sz="2000" dirty="0" smtClean="0">
+                <a:solidFill>
+                  <a:schemeClr val="tx1"/>
+                </a:solidFill>
+              </a:rPr>
+              <a:t> </a:t>
+            </a:r>
+            <a:r>
+              <a:rPr lang="en-US" sz="2000" dirty="0" err="1" smtClean="0">
+                <a:solidFill>
+                  <a:schemeClr val="tx1"/>
+                </a:solidFill>
+              </a:rPr>
+              <a:t>hát</a:t>
+            </a:r>
+            <a:endParaRPr lang="en-US" sz="2000" dirty="0">
+              <a:solidFill>
+                <a:schemeClr val="tx1"/>
+              </a:solidFill>
+            </a:endParaRPr>
+          </a:p>
+        </p:txBody>
+      </p:sp>
+    </p:spTree>
+    <p:extLst>
+      <p:ext uri="{BB962C8B-B14F-4D97-AF65-F5344CB8AC3E}">
+        <p14:creationId xmlns:p14="http://schemas.microsoft.com/office/powerpoint/2010/main" val="3347952769"/>
+      </p:ext>
+    </p:extLst>
+  </p:cSld>
+  <p:clrMapOvr>
+    <a:masterClrMapping/>
+  </p:clrMapOvr>
+</p:sld>
+</file>
+
+<file path=ppt/slides/slide12.xml><?xml version="1.0" encoding="utf-8"?>
+<p:sld xmlns:a="http://schemas.openxmlformats.org/drawingml/2006/main" xmlns:r="http://schemas.openxmlformats.org/officeDocument/2006/relationships" xmlns:p="http://schemas.openxmlformats.org/presentationml/2006/main">
+  <p:cSld>
+    <p:spTree>
+      <p:nvGrpSpPr>
+        <p:cNvPr id="1" name=""/>
+        <p:cNvGrpSpPr/>
+        <p:nvPr/>
+      </p:nvGrpSpPr>
+      <p:grpSpPr>
+        <a:xfrm>
+          <a:off x="0" y="0"/>
+          <a:ext cx="0" cy="0"/>
+          <a:chOff x="0" y="0"/>
+          <a:chExt cx="0" cy="0"/>
+        </a:xfrm>
+      </p:grpSpPr>
+      <p:sp>
+        <p:nvSpPr>
+          <p:cNvPr id="2" name="Title 1"/>
+          <p:cNvSpPr>
+            <a:spLocks noGrp="1"/>
+          </p:cNvSpPr>
+          <p:nvPr>
+            <p:ph type="title"/>
+          </p:nvPr>
+        </p:nvSpPr>
+        <p:spPr>
+          <a:xfrm>
+            <a:off x="228600" y="1524000"/>
+            <a:ext cx="8183880" cy="2438400"/>
+          </a:xfrm>
+        </p:spPr>
+        <p:txBody>
+          <a:bodyPr>
+            <a:normAutofit/>
+          </a:bodyPr>
+          <a:lstStyle/>
+          <a:p>
+            <a:pPr algn="ctr"/>
+            <a:r>
+              <a:rPr lang="en-US" sz="4800" dirty="0" err="1" smtClean="0"/>
+              <a:t>Cảm</a:t>
+            </a:r>
+            <a:r>
+              <a:rPr lang="en-US" sz="4800" dirty="0" smtClean="0"/>
+              <a:t> </a:t>
+            </a:r>
+            <a:r>
+              <a:rPr lang="en-US" sz="4800" dirty="0" err="1" smtClean="0"/>
+              <a:t>ơn</a:t>
+            </a:r>
+            <a:r>
+              <a:rPr lang="en-US" sz="4800" dirty="0" smtClean="0"/>
+              <a:t> </a:t>
+            </a:r>
+            <a:br>
+              <a:rPr lang="en-US" sz="4800" dirty="0" smtClean="0"/>
+            </a:br>
+            <a:r>
+              <a:rPr lang="en-US" sz="4800" dirty="0" err="1" smtClean="0"/>
+              <a:t>Thầy</a:t>
+            </a:r>
+            <a:r>
+              <a:rPr lang="en-US" sz="4800" dirty="0" smtClean="0"/>
+              <a:t> </a:t>
+            </a:r>
+            <a:r>
+              <a:rPr lang="en-US" sz="4800" dirty="0" err="1" smtClean="0"/>
+              <a:t>và</a:t>
+            </a:r>
+            <a:r>
+              <a:rPr lang="en-US" sz="4800" dirty="0" smtClean="0"/>
+              <a:t> </a:t>
+            </a:r>
+            <a:r>
+              <a:rPr lang="en-US" sz="4800" dirty="0" err="1" smtClean="0"/>
+              <a:t>các</a:t>
+            </a:r>
+            <a:r>
+              <a:rPr lang="en-US" sz="4800" dirty="0" smtClean="0"/>
+              <a:t> </a:t>
+            </a:r>
+            <a:r>
+              <a:rPr lang="en-US" sz="4800" dirty="0" err="1" smtClean="0"/>
+              <a:t>Bạn</a:t>
+            </a:r>
+            <a:r>
+              <a:rPr lang="en-US" sz="4800" dirty="0" smtClean="0"/>
+              <a:t> </a:t>
+            </a:r>
+            <a:br>
+              <a:rPr lang="en-US" sz="4800" dirty="0" smtClean="0"/>
+            </a:br>
+            <a:r>
+              <a:rPr lang="en-US" sz="4800" dirty="0" err="1" smtClean="0"/>
+              <a:t>đã</a:t>
+            </a:r>
+            <a:r>
+              <a:rPr lang="en-US" sz="4800" dirty="0" smtClean="0"/>
+              <a:t> </a:t>
+            </a:r>
+            <a:r>
+              <a:rPr lang="en-US" sz="4800" dirty="0" err="1" smtClean="0"/>
+              <a:t>lắng</a:t>
+            </a:r>
+            <a:r>
+              <a:rPr lang="en-US" sz="4800" dirty="0" smtClean="0"/>
+              <a:t> </a:t>
+            </a:r>
+            <a:r>
+              <a:rPr lang="en-US" sz="4800" dirty="0" err="1" smtClean="0"/>
+              <a:t>nghe</a:t>
+            </a:r>
+            <a:endParaRPr lang="en-US" sz="4800" dirty="0"/>
+          </a:p>
+        </p:txBody>
+      </p:sp>
+    </p:spTree>
+    <p:extLst>
+      <p:ext uri="{BB962C8B-B14F-4D97-AF65-F5344CB8AC3E}">
+        <p14:creationId xmlns:p14="http://schemas.microsoft.com/office/powerpoint/2010/main" val="2706545983"/>
+      </p:ext>
+    </p:extLst>
+  </p:cSld>
+  <p:clrMapOvr>
+    <a:masterClrMapping/>
+  </p:clrMapOvr>
+</p:sld>
+</file>
+
 <file path=ppt/slides/slide2.xml><?xml version="1.0" encoding="utf-8"?>
+<p:sld xmlns:a="http://schemas.openxmlformats.org/drawingml/2006/main" xmlns:r="http://schemas.openxmlformats.org/officeDocument/2006/relationships" xmlns:p="http://schemas.openxmlformats.org/presentationml/2006/main">
+  <p:cSld>
+    <p:spTree>
+      <p:nvGrpSpPr>
+        <p:cNvPr id="1" name=""/>
+        <p:cNvGrpSpPr/>
+        <p:nvPr/>
+      </p:nvGrpSpPr>
+      <p:grpSpPr>
+        <a:xfrm>
+          <a:off x="0" y="0"/>
+          <a:ext cx="0" cy="0"/>
+          <a:chOff x="0" y="0"/>
+          <a:chExt cx="0" cy="0"/>
+        </a:xfrm>
+      </p:grpSpPr>
+      <p:sp>
+        <p:nvSpPr>
+          <p:cNvPr id="2" name="Title 1"/>
+          <p:cNvSpPr>
+            <a:spLocks noGrp="1"/>
+          </p:cNvSpPr>
+          <p:nvPr>
+            <p:ph type="title"/>
+          </p:nvPr>
+        </p:nvSpPr>
+        <p:spPr>
+          <a:xfrm>
+            <a:off x="457200" y="304800"/>
+            <a:ext cx="8183880" cy="1051560"/>
+          </a:xfrm>
+        </p:spPr>
+        <p:txBody>
+          <a:bodyPr/>
+          <a:lstStyle/>
+          <a:p>
+            <a:r>
+              <a:rPr lang="en-US" dirty="0" err="1" smtClean="0"/>
+              <a:t>Nội</a:t>
+            </a:r>
+            <a:r>
+              <a:rPr lang="en-US" dirty="0" smtClean="0"/>
+              <a:t> dung </a:t>
+            </a:r>
+            <a:r>
+              <a:rPr lang="en-US" dirty="0" err="1" smtClean="0"/>
+              <a:t>báo</a:t>
+            </a:r>
+            <a:r>
+              <a:rPr lang="en-US" dirty="0" smtClean="0"/>
+              <a:t> </a:t>
+            </a:r>
+            <a:r>
+              <a:rPr lang="en-US" dirty="0" err="1" smtClean="0"/>
+              <a:t>cáo</a:t>
+            </a:r>
+            <a:endParaRPr lang="en-US" dirty="0"/>
+          </a:p>
+        </p:txBody>
+      </p:sp>
+      <p:sp>
+        <p:nvSpPr>
+          <p:cNvPr id="4" name="Title 1"/>
+          <p:cNvSpPr txBox="1">
+            <a:spLocks/>
+          </p:cNvSpPr>
+          <p:nvPr/>
+        </p:nvSpPr>
+        <p:spPr>
+          <a:xfrm>
+            <a:off x="609600" y="2057400"/>
+            <a:ext cx="7772400" cy="1470025"/>
+          </a:xfrm>
+          <a:prstGeom prst="rect">
+            <a:avLst/>
+          </a:prstGeom>
+        </p:spPr>
+        <p:txBody>
+          <a:bodyPr vert="horz" lIns="45720" rIns="45720" bIns="45720" anchor="b">
+            <a:noAutofit/>
+          </a:bodyPr>
+          <a:lstStyle>
+            <a:lvl1pPr algn="r" rtl="0" eaLnBrk="1" latinLnBrk="0" hangingPunct="1">
+              <a:spcBef>
+                <a:spcPct val="0"/>
+              </a:spcBef>
+              <a:buNone/>
+              <a:defRPr kumimoji="0" sz="4500" b="1" kern="1200">
+                <a:solidFill>
+                  <a:schemeClr val="accent1">
+                    <a:tint val="88000"/>
+                    <a:satMod val="150000"/>
+                  </a:schemeClr>
+                </a:solidFill>
+                <a:effectLst>
+                  <a:outerShdw blurRad="53975" dist="22860" dir="5400000" algn="tl" rotWithShape="0">
+                    <a:srgbClr val="000000">
+                      <a:alpha val="55000"/>
+                    </a:srgbClr>
+                  </a:outerShdw>
+                </a:effectLst>
+                <a:latin typeface="+mj-lt"/>
+                <a:ea typeface="+mj-ea"/>
+                <a:cs typeface="+mj-cs"/>
+              </a:defRPr>
+            </a:lvl1pPr>
+            <a:extLst/>
+          </a:lstStyle>
+          <a:p>
+            <a:pPr marL="400050" indent="-400050" algn="l">
+              <a:buAutoNum type="romanUcPeriod"/>
+            </a:pPr>
+            <a:r>
+              <a:rPr lang="en-US" sz="1800" dirty="0" smtClean="0">
+                <a:solidFill>
+                  <a:schemeClr val="tx1"/>
+                </a:solidFill>
+              </a:rPr>
+              <a:t>  </a:t>
+            </a:r>
+            <a:r>
+              <a:rPr lang="en-US" sz="1800" dirty="0" err="1" smtClean="0">
+                <a:solidFill>
+                  <a:schemeClr val="tx1"/>
+                </a:solidFill>
+              </a:rPr>
+              <a:t>Giới</a:t>
+            </a:r>
+            <a:r>
+              <a:rPr lang="en-US" sz="1800" dirty="0" smtClean="0">
+                <a:solidFill>
+                  <a:schemeClr val="tx1"/>
+                </a:solidFill>
+              </a:rPr>
+              <a:t> </a:t>
+            </a:r>
+            <a:r>
+              <a:rPr lang="en-US" sz="1800" dirty="0" err="1" smtClean="0">
+                <a:solidFill>
+                  <a:schemeClr val="tx1"/>
+                </a:solidFill>
+              </a:rPr>
+              <a:t>thiệu</a:t>
+            </a:r>
+            <a:r>
+              <a:rPr lang="en-US" sz="1800" dirty="0" smtClean="0">
+                <a:solidFill>
+                  <a:schemeClr val="tx1"/>
+                </a:solidFill>
+              </a:rPr>
+              <a:t> </a:t>
+            </a:r>
+            <a:r>
+              <a:rPr lang="en-US" sz="1800" dirty="0" err="1" smtClean="0">
+                <a:solidFill>
+                  <a:schemeClr val="tx1"/>
+                </a:solidFill>
+              </a:rPr>
+              <a:t>ứng</a:t>
+            </a:r>
+            <a:r>
+              <a:rPr lang="en-US" sz="1800" dirty="0" smtClean="0">
+                <a:solidFill>
+                  <a:schemeClr val="tx1"/>
+                </a:solidFill>
+              </a:rPr>
+              <a:t> </a:t>
+            </a:r>
+            <a:r>
+              <a:rPr lang="en-US" sz="1800" dirty="0" err="1" smtClean="0">
+                <a:solidFill>
+                  <a:schemeClr val="tx1"/>
+                </a:solidFill>
+              </a:rPr>
+              <a:t>dụng</a:t>
+            </a:r>
+            <a:endParaRPr lang="en-US" sz="1800" dirty="0" smtClean="0">
+              <a:solidFill>
+                <a:schemeClr val="tx1"/>
+              </a:solidFill>
+            </a:endParaRPr>
+          </a:p>
+          <a:p>
+            <a:pPr marL="400050" indent="-400050" algn="l">
+              <a:buAutoNum type="romanUcPeriod"/>
+            </a:pPr>
+            <a:r>
+              <a:rPr lang="en-US" sz="1800" dirty="0" smtClean="0">
+                <a:solidFill>
+                  <a:schemeClr val="tx1"/>
+                </a:solidFill>
+              </a:rPr>
+              <a:t>  </a:t>
+            </a:r>
+            <a:r>
+              <a:rPr lang="en-US" sz="1800" dirty="0" err="1" smtClean="0">
+                <a:solidFill>
+                  <a:schemeClr val="tx1"/>
+                </a:solidFill>
+              </a:rPr>
+              <a:t>Đặc</a:t>
+            </a:r>
+            <a:r>
+              <a:rPr lang="en-US" sz="1800" dirty="0" smtClean="0">
+                <a:solidFill>
+                  <a:schemeClr val="tx1"/>
+                </a:solidFill>
+              </a:rPr>
+              <a:t> </a:t>
+            </a:r>
+            <a:r>
+              <a:rPr lang="en-US" sz="1800" dirty="0" err="1" smtClean="0">
+                <a:solidFill>
+                  <a:schemeClr val="tx1"/>
+                </a:solidFill>
+              </a:rPr>
+              <a:t>tả</a:t>
+            </a:r>
+            <a:r>
+              <a:rPr lang="en-US" sz="1800" dirty="0" smtClean="0">
+                <a:solidFill>
+                  <a:schemeClr val="tx1"/>
+                </a:solidFill>
+              </a:rPr>
+              <a:t> </a:t>
+            </a:r>
+            <a:r>
+              <a:rPr lang="en-US" sz="1800" dirty="0" err="1" smtClean="0">
+                <a:solidFill>
+                  <a:schemeClr val="tx1"/>
+                </a:solidFill>
+              </a:rPr>
+              <a:t>chức</a:t>
+            </a:r>
+            <a:r>
+              <a:rPr lang="en-US" sz="1800" dirty="0" smtClean="0">
+                <a:solidFill>
+                  <a:schemeClr val="tx1"/>
+                </a:solidFill>
+              </a:rPr>
+              <a:t> </a:t>
+            </a:r>
+            <a:r>
+              <a:rPr lang="en-US" sz="1800" dirty="0" err="1" smtClean="0">
+                <a:solidFill>
+                  <a:schemeClr val="tx1"/>
+                </a:solidFill>
+              </a:rPr>
+              <a:t>năng</a:t>
+            </a:r>
+            <a:endParaRPr lang="en-US" sz="1800" dirty="0" smtClean="0">
+              <a:solidFill>
+                <a:schemeClr val="tx1"/>
+              </a:solidFill>
+            </a:endParaRPr>
+          </a:p>
+          <a:p>
+            <a:pPr marL="400050" indent="-400050" algn="l">
+              <a:buAutoNum type="romanUcPeriod"/>
+            </a:pPr>
+            <a:r>
+              <a:rPr lang="en-US" sz="1800" dirty="0">
+                <a:solidFill>
+                  <a:schemeClr val="tx1"/>
+                </a:solidFill>
+              </a:rPr>
+              <a:t> </a:t>
+            </a:r>
+            <a:r>
+              <a:rPr lang="en-US" sz="1800" dirty="0" err="1" smtClean="0">
+                <a:solidFill>
+                  <a:schemeClr val="tx1"/>
+                </a:solidFill>
+              </a:rPr>
+              <a:t>Xử</a:t>
+            </a:r>
+            <a:r>
+              <a:rPr lang="en-US" sz="1800" dirty="0" smtClean="0">
+                <a:solidFill>
+                  <a:schemeClr val="tx1"/>
+                </a:solidFill>
+              </a:rPr>
+              <a:t> </a:t>
+            </a:r>
+            <a:r>
+              <a:rPr lang="en-US" sz="1800" dirty="0" err="1" smtClean="0">
+                <a:solidFill>
+                  <a:schemeClr val="tx1"/>
+                </a:solidFill>
+              </a:rPr>
+              <a:t>lý</a:t>
+            </a:r>
+            <a:r>
+              <a:rPr lang="en-US" sz="1800" dirty="0" smtClean="0">
+                <a:solidFill>
+                  <a:schemeClr val="tx1"/>
+                </a:solidFill>
+              </a:rPr>
+              <a:t> </a:t>
+            </a:r>
+            <a:r>
+              <a:rPr lang="en-US" sz="1800" dirty="0" err="1" smtClean="0">
+                <a:solidFill>
+                  <a:schemeClr val="tx1"/>
+                </a:solidFill>
+              </a:rPr>
+              <a:t>giao</a:t>
+            </a:r>
+            <a:r>
+              <a:rPr lang="en-US" sz="1800" dirty="0" smtClean="0">
+                <a:solidFill>
+                  <a:schemeClr val="tx1"/>
+                </a:solidFill>
+              </a:rPr>
+              <a:t> </a:t>
+            </a:r>
+            <a:r>
+              <a:rPr lang="en-US" sz="1800" dirty="0" err="1" smtClean="0">
+                <a:solidFill>
+                  <a:schemeClr val="tx1"/>
+                </a:solidFill>
+              </a:rPr>
+              <a:t>diện</a:t>
+            </a:r>
+            <a:r>
+              <a:rPr lang="en-US" sz="1800" dirty="0" smtClean="0">
+                <a:solidFill>
+                  <a:schemeClr val="tx1"/>
+                </a:solidFill>
+              </a:rPr>
+              <a:t> </a:t>
+            </a:r>
+            <a:r>
+              <a:rPr lang="en-US" sz="1800" dirty="0" err="1" smtClean="0">
+                <a:solidFill>
+                  <a:schemeClr val="tx1"/>
+                </a:solidFill>
+              </a:rPr>
+              <a:t>nâng</a:t>
+            </a:r>
+            <a:r>
+              <a:rPr lang="en-US" sz="1800" dirty="0" smtClean="0">
+                <a:solidFill>
+                  <a:schemeClr val="tx1"/>
+                </a:solidFill>
+              </a:rPr>
+              <a:t> </a:t>
+            </a:r>
+            <a:r>
+              <a:rPr lang="en-US" sz="1800" dirty="0" err="1" smtClean="0">
+                <a:solidFill>
+                  <a:schemeClr val="tx1"/>
+                </a:solidFill>
+              </a:rPr>
+              <a:t>cao</a:t>
+            </a:r>
+            <a:endParaRPr lang="en-US" sz="1800" dirty="0" smtClean="0">
+              <a:solidFill>
+                <a:schemeClr val="tx1"/>
+              </a:solidFill>
+            </a:endParaRPr>
+          </a:p>
+          <a:p>
+            <a:pPr marL="400050" indent="-400050" algn="l">
+              <a:buAutoNum type="romanUcPeriod"/>
+            </a:pPr>
+            <a:r>
+              <a:rPr lang="en-US" sz="1800" dirty="0" smtClean="0">
+                <a:solidFill>
+                  <a:schemeClr val="tx1"/>
+                </a:solidFill>
+              </a:rPr>
+              <a:t>  </a:t>
+            </a:r>
+            <a:r>
+              <a:rPr lang="en-US" sz="1800" dirty="0" err="1" smtClean="0">
+                <a:solidFill>
+                  <a:schemeClr val="tx1"/>
+                </a:solidFill>
+              </a:rPr>
+              <a:t>Kết</a:t>
+            </a:r>
+            <a:r>
+              <a:rPr lang="en-US" sz="1800" dirty="0" smtClean="0">
+                <a:solidFill>
+                  <a:schemeClr val="tx1"/>
+                </a:solidFill>
+              </a:rPr>
+              <a:t> </a:t>
+            </a:r>
+            <a:r>
+              <a:rPr lang="en-US" sz="1800" dirty="0" err="1" smtClean="0">
+                <a:solidFill>
+                  <a:schemeClr val="tx1"/>
+                </a:solidFill>
+              </a:rPr>
+              <a:t>quả</a:t>
+            </a:r>
+            <a:r>
+              <a:rPr lang="en-US" sz="1800" dirty="0" smtClean="0">
+                <a:solidFill>
+                  <a:schemeClr val="tx1"/>
+                </a:solidFill>
+              </a:rPr>
+              <a:t> </a:t>
+            </a:r>
+            <a:r>
+              <a:rPr lang="en-US" sz="1800" dirty="0" err="1" smtClean="0">
+                <a:solidFill>
+                  <a:schemeClr val="tx1"/>
+                </a:solidFill>
+              </a:rPr>
+              <a:t>đạt</a:t>
+            </a:r>
+            <a:r>
+              <a:rPr lang="en-US" sz="1800" dirty="0" smtClean="0">
+                <a:solidFill>
+                  <a:schemeClr val="tx1"/>
+                </a:solidFill>
+              </a:rPr>
+              <a:t> </a:t>
+            </a:r>
+            <a:r>
+              <a:rPr lang="en-US" sz="1800" dirty="0" err="1" smtClean="0">
+                <a:solidFill>
+                  <a:schemeClr val="tx1"/>
+                </a:solidFill>
+              </a:rPr>
+              <a:t>được</a:t>
+            </a:r>
+            <a:endParaRPr lang="en-US" sz="1800" dirty="0">
+              <a:solidFill>
+                <a:schemeClr val="tx1"/>
+              </a:solidFill>
+            </a:endParaRPr>
+          </a:p>
+        </p:txBody>
+      </p:sp>
+    </p:spTree>
+    <p:extLst>
+      <p:ext uri="{BB962C8B-B14F-4D97-AF65-F5344CB8AC3E}">
+        <p14:creationId xmlns:p14="http://schemas.microsoft.com/office/powerpoint/2010/main" val="3266212261"/>
+      </p:ext>
+    </p:extLst>
+  </p:cSld>
+  <p:clrMapOvr>
+    <a:masterClrMapping/>
+  </p:clrMapOvr>
+</p:sld>
+</file>
+
+<file path=ppt/slides/slide3.xml><?xml version="1.0" encoding="utf-8"?>
+<p:sld xmlns:a="http://schemas.openxmlformats.org/drawingml/2006/main" xmlns:r="http://schemas.openxmlformats.org/officeDocument/2006/relationships" xmlns:p="http://schemas.openxmlformats.org/presentationml/2006/main">
+  <p:cSld>
+    <p:spTree>
+      <p:nvGrpSpPr>
+        <p:cNvPr id="1" name=""/>
+        <p:cNvGrpSpPr/>
+        <p:nvPr/>
+      </p:nvGrpSpPr>
+      <p:grpSpPr>
+        <a:xfrm>
+          <a:off x="0" y="0"/>
+          <a:ext cx="0" cy="0"/>
+          <a:chOff x="0" y="0"/>
+          <a:chExt cx="0" cy="0"/>
+        </a:xfrm>
+      </p:grpSpPr>
+      <p:sp>
+        <p:nvSpPr>
+          <p:cNvPr id="2" name="Title 1"/>
+          <p:cNvSpPr>
+            <a:spLocks noGrp="1"/>
+          </p:cNvSpPr>
+          <p:nvPr>
+            <p:ph type="title"/>
+          </p:nvPr>
+        </p:nvSpPr>
+        <p:spPr>
+          <a:xfrm>
+            <a:off x="457200" y="457200"/>
+            <a:ext cx="8183880" cy="1051560"/>
+          </a:xfrm>
+        </p:spPr>
+        <p:txBody>
+          <a:bodyPr>
+            <a:normAutofit/>
+          </a:bodyPr>
+          <a:lstStyle/>
+          <a:p>
+            <a:r>
+              <a:rPr lang="en-US" sz="2800" dirty="0" err="1" smtClean="0"/>
+              <a:t>Chức</a:t>
+            </a:r>
+            <a:r>
+              <a:rPr lang="en-US" sz="2800" dirty="0" smtClean="0"/>
+              <a:t> </a:t>
+            </a:r>
+            <a:r>
+              <a:rPr lang="en-US" sz="2800" dirty="0" err="1" smtClean="0"/>
+              <a:t>năng</a:t>
+            </a:r>
+            <a:r>
+              <a:rPr lang="en-US" sz="2800" dirty="0" smtClean="0"/>
+              <a:t>: </a:t>
+            </a:r>
+            <a:r>
+              <a:rPr lang="en-US" sz="2800" dirty="0" err="1">
+                <a:solidFill>
+                  <a:schemeClr val="tx1"/>
+                </a:solidFill>
+              </a:rPr>
+              <a:t>thêm</a:t>
+            </a:r>
+            <a:r>
+              <a:rPr lang="en-US" sz="2800" dirty="0">
+                <a:solidFill>
+                  <a:schemeClr val="tx1"/>
+                </a:solidFill>
+              </a:rPr>
+              <a:t>, </a:t>
+            </a:r>
+            <a:r>
+              <a:rPr lang="en-US" sz="2800" dirty="0" err="1">
+                <a:solidFill>
+                  <a:schemeClr val="tx1"/>
+                </a:solidFill>
+              </a:rPr>
+              <a:t>xóa</a:t>
+            </a:r>
+            <a:r>
+              <a:rPr lang="en-US" sz="2800" dirty="0">
+                <a:solidFill>
+                  <a:schemeClr val="tx1"/>
+                </a:solidFill>
+              </a:rPr>
+              <a:t>, </a:t>
+            </a:r>
+            <a:r>
+              <a:rPr lang="en-US" sz="2800" dirty="0" err="1">
+                <a:solidFill>
+                  <a:schemeClr val="tx1"/>
+                </a:solidFill>
+              </a:rPr>
+              <a:t>sửa</a:t>
+            </a:r>
+            <a:r>
+              <a:rPr lang="en-US" sz="2800" dirty="0">
+                <a:solidFill>
+                  <a:schemeClr val="tx1"/>
+                </a:solidFill>
+              </a:rPr>
+              <a:t>, </a:t>
+            </a:r>
+            <a:r>
+              <a:rPr lang="en-US" sz="2800" dirty="0" err="1">
+                <a:solidFill>
+                  <a:schemeClr val="tx1"/>
+                </a:solidFill>
+              </a:rPr>
+              <a:t>tìm</a:t>
+            </a:r>
+            <a:r>
+              <a:rPr lang="en-US" sz="2800" dirty="0">
+                <a:solidFill>
+                  <a:schemeClr val="tx1"/>
+                </a:solidFill>
+              </a:rPr>
+              <a:t> </a:t>
+            </a:r>
+            <a:r>
+              <a:rPr lang="en-US" sz="2800" dirty="0" err="1">
+                <a:solidFill>
+                  <a:schemeClr val="tx1"/>
+                </a:solidFill>
+              </a:rPr>
+              <a:t>kiếm</a:t>
+            </a:r>
+            <a:endParaRPr lang="en-US" sz="2800" dirty="0"/>
+          </a:p>
+        </p:txBody>
+      </p:sp>
+      <p:sp>
+        <p:nvSpPr>
+          <p:cNvPr id="4" name="Title 1"/>
+          <p:cNvSpPr txBox="1">
+            <a:spLocks/>
+          </p:cNvSpPr>
+          <p:nvPr/>
+        </p:nvSpPr>
+        <p:spPr>
+          <a:xfrm>
+            <a:off x="533400" y="1981200"/>
+            <a:ext cx="7772400" cy="1470025"/>
+          </a:xfrm>
+          <a:prstGeom prst="rect">
+            <a:avLst/>
+          </a:prstGeom>
+        </p:spPr>
+        <p:txBody>
+          <a:bodyPr vert="horz" lIns="45720" rIns="45720" bIns="45720" anchor="b">
+            <a:noAutofit/>
+          </a:bodyPr>
+          <a:lstStyle>
+            <a:lvl1pPr algn="r" rtl="0" eaLnBrk="1" latinLnBrk="0" hangingPunct="1">
+              <a:spcBef>
+                <a:spcPct val="0"/>
+              </a:spcBef>
+              <a:buNone/>
+              <a:defRPr kumimoji="0" sz="4500" b="1" kern="1200">
+                <a:solidFill>
+                  <a:schemeClr val="accent1">
+                    <a:tint val="88000"/>
+                    <a:satMod val="150000"/>
+                  </a:schemeClr>
+                </a:solidFill>
+                <a:effectLst>
+                  <a:outerShdw blurRad="53975" dist="22860" dir="5400000" algn="tl" rotWithShape="0">
+                    <a:srgbClr val="000000">
+                      <a:alpha val="55000"/>
+                    </a:srgbClr>
+                  </a:outerShdw>
+                </a:effectLst>
+                <a:latin typeface="+mj-lt"/>
+                <a:ea typeface="+mj-ea"/>
+                <a:cs typeface="+mj-cs"/>
+              </a:defRPr>
+            </a:lvl1pPr>
+            <a:extLst/>
+          </a:lstStyle>
+          <a:p>
+            <a:pPr marL="285750" indent="-285750" algn="l">
+              <a:buFontTx/>
+              <a:buChar char="-"/>
+            </a:pPr>
+            <a:r>
+              <a:rPr lang="en-US" sz="1800" dirty="0" err="1" smtClean="0">
+                <a:solidFill>
+                  <a:schemeClr val="tx1"/>
+                </a:solidFill>
+              </a:rPr>
+              <a:t>Thông</a:t>
+            </a:r>
+            <a:r>
+              <a:rPr lang="en-US" sz="1800" dirty="0" smtClean="0">
+                <a:solidFill>
+                  <a:schemeClr val="tx1"/>
+                </a:solidFill>
+              </a:rPr>
+              <a:t> tin Ca </a:t>
+            </a:r>
+            <a:r>
+              <a:rPr lang="en-US" sz="1800" dirty="0" err="1" smtClean="0">
+                <a:solidFill>
+                  <a:schemeClr val="tx1"/>
+                </a:solidFill>
+              </a:rPr>
+              <a:t>Sĩ</a:t>
+            </a:r>
+            <a:endParaRPr lang="en-US" sz="1800" dirty="0" smtClean="0">
+              <a:solidFill>
+                <a:schemeClr val="tx1"/>
+              </a:solidFill>
+            </a:endParaRPr>
+          </a:p>
+          <a:p>
+            <a:pPr marL="285750" indent="-285750" algn="l">
+              <a:buFontTx/>
+              <a:buChar char="-"/>
+            </a:pPr>
+            <a:r>
+              <a:rPr lang="en-US" sz="1800" dirty="0" err="1" smtClean="0">
+                <a:solidFill>
+                  <a:schemeClr val="tx1"/>
+                </a:solidFill>
+              </a:rPr>
+              <a:t>Thông</a:t>
+            </a:r>
+            <a:r>
+              <a:rPr lang="en-US" sz="1800" dirty="0" smtClean="0">
+                <a:solidFill>
+                  <a:schemeClr val="tx1"/>
+                </a:solidFill>
+              </a:rPr>
+              <a:t> tin </a:t>
+            </a:r>
+            <a:r>
+              <a:rPr lang="en-US" sz="1800" dirty="0" err="1" smtClean="0">
+                <a:solidFill>
+                  <a:schemeClr val="tx1"/>
+                </a:solidFill>
+              </a:rPr>
+              <a:t>Bài</a:t>
+            </a:r>
+            <a:r>
+              <a:rPr lang="en-US" sz="1800" dirty="0" smtClean="0">
+                <a:solidFill>
+                  <a:schemeClr val="tx1"/>
+                </a:solidFill>
+              </a:rPr>
+              <a:t> </a:t>
+            </a:r>
+            <a:r>
+              <a:rPr lang="en-US" sz="1800" dirty="0" err="1" smtClean="0">
+                <a:solidFill>
+                  <a:schemeClr val="tx1"/>
+                </a:solidFill>
+              </a:rPr>
+              <a:t>Hát</a:t>
+            </a:r>
+            <a:r>
+              <a:rPr lang="en-US" sz="1800" dirty="0">
+                <a:solidFill>
+                  <a:schemeClr val="tx1"/>
+                </a:solidFill>
+              </a:rPr>
+              <a:t> </a:t>
+            </a:r>
+            <a:endParaRPr lang="en-US" sz="1800" dirty="0" smtClean="0">
+              <a:solidFill>
+                <a:schemeClr val="tx1"/>
+              </a:solidFill>
+            </a:endParaRPr>
+          </a:p>
+          <a:p>
+            <a:pPr marL="285750" indent="-285750" algn="l">
+              <a:buFontTx/>
+              <a:buChar char="-"/>
+            </a:pPr>
+            <a:r>
+              <a:rPr lang="en-US" sz="1800" dirty="0" err="1" smtClean="0">
+                <a:solidFill>
+                  <a:schemeClr val="tx1"/>
+                </a:solidFill>
+              </a:rPr>
+              <a:t>Thông</a:t>
+            </a:r>
+            <a:r>
+              <a:rPr lang="en-US" sz="1800" dirty="0" smtClean="0">
+                <a:solidFill>
+                  <a:schemeClr val="tx1"/>
+                </a:solidFill>
+              </a:rPr>
+              <a:t> tin </a:t>
+            </a:r>
+            <a:r>
+              <a:rPr lang="en-US" sz="1800" dirty="0" err="1" smtClean="0">
+                <a:solidFill>
+                  <a:schemeClr val="tx1"/>
+                </a:solidFill>
+              </a:rPr>
+              <a:t>Nhạc</a:t>
+            </a:r>
+            <a:r>
+              <a:rPr lang="en-US" sz="1800" dirty="0" smtClean="0">
+                <a:solidFill>
+                  <a:schemeClr val="tx1"/>
+                </a:solidFill>
+              </a:rPr>
+              <a:t> </a:t>
+            </a:r>
+            <a:r>
+              <a:rPr lang="en-US" sz="1800" dirty="0" err="1" smtClean="0">
+                <a:solidFill>
+                  <a:schemeClr val="tx1"/>
+                </a:solidFill>
+              </a:rPr>
+              <a:t>Sĩ</a:t>
+            </a:r>
+            <a:r>
+              <a:rPr lang="en-US" sz="1800" dirty="0">
+                <a:solidFill>
+                  <a:schemeClr val="tx1"/>
+                </a:solidFill>
+              </a:rPr>
+              <a:t> </a:t>
+            </a:r>
+            <a:endParaRPr lang="en-US" sz="1800" dirty="0" smtClean="0">
+              <a:solidFill>
+                <a:schemeClr val="tx1"/>
+              </a:solidFill>
+            </a:endParaRPr>
+          </a:p>
+          <a:p>
+            <a:pPr marL="285750" indent="-285750" algn="l">
+              <a:buFontTx/>
+              <a:buChar char="-"/>
+            </a:pPr>
+            <a:r>
+              <a:rPr lang="en-US" sz="1800" dirty="0" err="1" smtClean="0">
+                <a:solidFill>
+                  <a:schemeClr val="tx1"/>
+                </a:solidFill>
+              </a:rPr>
+              <a:t>Thông</a:t>
+            </a:r>
+            <a:r>
+              <a:rPr lang="en-US" sz="1800" dirty="0" smtClean="0">
+                <a:solidFill>
+                  <a:schemeClr val="tx1"/>
+                </a:solidFill>
+              </a:rPr>
+              <a:t> tin Show</a:t>
+            </a:r>
+          </a:p>
+          <a:p>
+            <a:pPr marL="285750" indent="-285750" algn="l">
+              <a:buFontTx/>
+              <a:buChar char="-"/>
+            </a:pPr>
+            <a:r>
+              <a:rPr lang="en-US" sz="1800" dirty="0" err="1" smtClean="0">
+                <a:solidFill>
+                  <a:schemeClr val="tx1"/>
+                </a:solidFill>
+              </a:rPr>
+              <a:t>Thống</a:t>
+            </a:r>
+            <a:r>
+              <a:rPr lang="en-US" sz="1800" dirty="0" smtClean="0">
+                <a:solidFill>
+                  <a:schemeClr val="tx1"/>
+                </a:solidFill>
+              </a:rPr>
+              <a:t> </a:t>
+            </a:r>
+            <a:r>
+              <a:rPr lang="en-US" sz="1800" dirty="0" err="1" smtClean="0">
+                <a:solidFill>
+                  <a:schemeClr val="tx1"/>
+                </a:solidFill>
+              </a:rPr>
+              <a:t>kê</a:t>
+            </a:r>
+            <a:r>
+              <a:rPr lang="en-US" sz="1800" dirty="0" smtClean="0">
+                <a:solidFill>
+                  <a:schemeClr val="tx1"/>
+                </a:solidFill>
+              </a:rPr>
+              <a:t> (</a:t>
+            </a:r>
+            <a:r>
+              <a:rPr lang="en-US" sz="1800" dirty="0" err="1" smtClean="0">
+                <a:solidFill>
+                  <a:schemeClr val="tx1"/>
+                </a:solidFill>
+              </a:rPr>
+              <a:t>nhạc</a:t>
+            </a:r>
+            <a:r>
+              <a:rPr lang="en-US" sz="1800" dirty="0" smtClean="0">
+                <a:solidFill>
+                  <a:schemeClr val="tx1"/>
+                </a:solidFill>
+              </a:rPr>
+              <a:t> </a:t>
+            </a:r>
+            <a:r>
+              <a:rPr lang="en-US" sz="1800" dirty="0" err="1" smtClean="0">
+                <a:solidFill>
+                  <a:schemeClr val="tx1"/>
+                </a:solidFill>
+              </a:rPr>
+              <a:t>sĩ</a:t>
+            </a:r>
+            <a:r>
+              <a:rPr lang="en-US" sz="1800" dirty="0" smtClean="0">
+                <a:solidFill>
+                  <a:schemeClr val="tx1"/>
+                </a:solidFill>
+              </a:rPr>
+              <a:t>, ca </a:t>
+            </a:r>
+            <a:r>
+              <a:rPr lang="en-US" sz="1800" dirty="0" err="1" smtClean="0">
+                <a:solidFill>
+                  <a:schemeClr val="tx1"/>
+                </a:solidFill>
+              </a:rPr>
+              <a:t>sĩ</a:t>
+            </a:r>
+            <a:r>
+              <a:rPr lang="en-US" sz="1800" dirty="0" smtClean="0">
+                <a:solidFill>
+                  <a:schemeClr val="tx1"/>
+                </a:solidFill>
+              </a:rPr>
+              <a:t>)</a:t>
+            </a:r>
+          </a:p>
+        </p:txBody>
+      </p:sp>
+    </p:spTree>
+    <p:extLst>
+      <p:ext uri="{BB962C8B-B14F-4D97-AF65-F5344CB8AC3E}">
+        <p14:creationId xmlns:p14="http://schemas.microsoft.com/office/powerpoint/2010/main" val="795542928"/>
+      </p:ext>
+    </p:extLst>
+  </p:cSld>
+  <p:clrMapOvr>
+    <a:masterClrMapping/>
+  </p:clrMapOvr>
+</p:sld>
+</file>
+
+<file path=ppt/slides/slide4.xml><?xml version="1.0" encoding="utf-8"?>
 <p:sld xmlns:a="http://schemas.openxmlformats.org/drawingml/2006/main" xmlns:r="http://schemas.openxmlformats.org/officeDocument/2006/relationships" xmlns:p="http://schemas.openxmlformats.org/presentationml/2006/main">
   <p:cSld>
     <p:spTree>
@@ -4352,7 +6447,7 @@
 </p:sld>
 </file>
 
-<file path=ppt/slides/slide3.xml><?xml version="1.0" encoding="utf-8"?>
+<file path=ppt/slides/slide5.xml><?xml version="1.0" encoding="utf-8"?>
 <p:sld xmlns:a="http://schemas.openxmlformats.org/drawingml/2006/main" xmlns:r="http://schemas.openxmlformats.org/officeDocument/2006/relationships" xmlns:p="http://schemas.openxmlformats.org/presentationml/2006/main">
   <p:cSld>
     <p:spTree>
@@ -4479,7 +6574,7 @@
 </p:sld>
 </file>
 
-<file path=ppt/slides/slide4.xml><?xml version="1.0" encoding="utf-8"?>
+<file path=ppt/slides/slide6.xml><?xml version="1.0" encoding="utf-8"?>
 <p:sld xmlns:a="http://schemas.openxmlformats.org/drawingml/2006/main" xmlns:r="http://schemas.openxmlformats.org/officeDocument/2006/relationships" xmlns:p="http://schemas.openxmlformats.org/presentationml/2006/main">
   <p:cSld>
     <p:spTree>
@@ -4668,7 +6763,7 @@
 </p:sld>
 </file>
 
-<file path=ppt/slides/slide5.xml><?xml version="1.0" encoding="utf-8"?>
+<file path=ppt/slides/slide7.xml><?xml version="1.0" encoding="utf-8"?>
 <p:sld xmlns:a="http://schemas.openxmlformats.org/drawingml/2006/main" xmlns:r="http://schemas.openxmlformats.org/officeDocument/2006/relationships" xmlns:p="http://schemas.openxmlformats.org/presentationml/2006/main">
   <p:cSld>
     <p:spTree>
@@ -4863,7 +6958,7 @@
 </p:sld>
 </file>
 
-<file path=ppt/slides/slide6.xml><?xml version="1.0" encoding="utf-8"?>
+<file path=ppt/slides/slide8.xml><?xml version="1.0" encoding="utf-8"?>
 <p:sld xmlns:a="http://schemas.openxmlformats.org/drawingml/2006/main" xmlns:r="http://schemas.openxmlformats.org/officeDocument/2006/relationships" xmlns:p="http://schemas.openxmlformats.org/presentationml/2006/main">
   <p:cSld>
     <p:spTree>
@@ -5058,7 +7153,7 @@
 </p:sld>
 </file>
 
-<file path=ppt/slides/slide7.xml><?xml version="1.0" encoding="utf-8"?>
+<file path=ppt/slides/slide9.xml><?xml version="1.0" encoding="utf-8"?>
 <p:sld xmlns:a="http://schemas.openxmlformats.org/drawingml/2006/main" xmlns:r="http://schemas.openxmlformats.org/officeDocument/2006/relationships" xmlns:p="http://schemas.openxmlformats.org/presentationml/2006/main">
   <p:cSld>
     <p:spTree>
@@ -5236,283 +7331,6 @@
     <p:extLst>
       <p:ext uri="{BB962C8B-B14F-4D97-AF65-F5344CB8AC3E}">
         <p14:creationId xmlns:p14="http://schemas.microsoft.com/office/powerpoint/2010/main" val="1398538136"/>
-      </p:ext>
-    </p:extLst>
-  </p:cSld>
-  <p:clrMapOvr>
-    <a:masterClrMapping/>
-  </p:clrMapOvr>
-</p:sld>
-</file>
-
-<file path=ppt/slides/slide8.xml><?xml version="1.0" encoding="utf-8"?>
-<p:sld xmlns:a="http://schemas.openxmlformats.org/drawingml/2006/main" xmlns:r="http://schemas.openxmlformats.org/officeDocument/2006/relationships" xmlns:p="http://schemas.openxmlformats.org/presentationml/2006/main">
-  <p:cSld>
-    <p:spTree>
-      <p:nvGrpSpPr>
-        <p:cNvPr id="1" name=""/>
-        <p:cNvGrpSpPr/>
-        <p:nvPr/>
-      </p:nvGrpSpPr>
-      <p:grpSpPr>
-        <a:xfrm>
-          <a:off x="0" y="0"/>
-          <a:ext cx="0" cy="0"/>
-          <a:chOff x="0" y="0"/>
-          <a:chExt cx="0" cy="0"/>
-        </a:xfrm>
-      </p:grpSpPr>
-      <p:sp>
-        <p:nvSpPr>
-          <p:cNvPr id="2" name="Title 1"/>
-          <p:cNvSpPr>
-            <a:spLocks noGrp="1"/>
-          </p:cNvSpPr>
-          <p:nvPr>
-            <p:ph type="title"/>
-          </p:nvPr>
-        </p:nvSpPr>
-        <p:spPr/>
-        <p:txBody>
-          <a:bodyPr>
-            <a:normAutofit/>
-          </a:bodyPr>
-          <a:lstStyle/>
-          <a:p>
-            <a:pPr algn="ctr"/>
-            <a:r>
-              <a:rPr lang="en-US" sz="2800" dirty="0" err="1" smtClean="0"/>
-              <a:t>Thống</a:t>
-            </a:r>
-            <a:r>
-              <a:rPr lang="en-US" sz="2800" dirty="0" smtClean="0"/>
-              <a:t> </a:t>
-            </a:r>
-            <a:r>
-              <a:rPr lang="en-US" sz="2800" dirty="0" err="1" smtClean="0"/>
-              <a:t>kê</a:t>
-            </a:r>
-            <a:endParaRPr lang="en-US" sz="2800" dirty="0"/>
-          </a:p>
-        </p:txBody>
-      </p:sp>
-      <p:pic>
-        <p:nvPicPr>
-          <p:cNvPr id="7170" name="Picture 2" descr="C:\Users\Administrator\Downloads\117269142_3710321042330894_6611615967951595025_n.png"/>
-          <p:cNvPicPr>
-            <a:picLocks noChangeAspect="1" noChangeArrowheads="1"/>
-          </p:cNvPicPr>
-          <p:nvPr/>
-        </p:nvPicPr>
-        <p:blipFill>
-          <a:blip r:embed="rId2">
-            <a:extLst>
-              <a:ext uri="{28A0092B-C50C-407E-A947-70E740481C1C}">
-                <a14:useLocalDpi xmlns:a14="http://schemas.microsoft.com/office/drawing/2010/main" val="0"/>
-              </a:ext>
-            </a:extLst>
-          </a:blip>
-          <a:srcRect/>
-          <a:stretch>
-            <a:fillRect/>
-          </a:stretch>
-        </p:blipFill>
-        <p:spPr bwMode="auto">
-          <a:xfrm>
-            <a:off x="838200" y="533400"/>
-            <a:ext cx="2786063" cy="4953000"/>
-          </a:xfrm>
-          <a:prstGeom prst="rect">
-            <a:avLst/>
-          </a:prstGeom>
-          <a:noFill/>
-          <a:extLst>
-            <a:ext uri="{909E8E84-426E-40DD-AFC4-6F175D3DCCD1}">
-              <a14:hiddenFill xmlns:a14="http://schemas.microsoft.com/office/drawing/2010/main">
-                <a:solidFill>
-                  <a:srgbClr val="FFFFFF"/>
-                </a:solidFill>
-              </a14:hiddenFill>
-            </a:ext>
-          </a:extLst>
-        </p:spPr>
-      </p:pic>
-      <p:pic>
-        <p:nvPicPr>
-          <p:cNvPr id="7172" name="Picture 4" descr="C:\Users\Administrator\Downloads\117707444_337179154104294_8405834123144889048_n.png"/>
-          <p:cNvPicPr>
-            <a:picLocks noChangeAspect="1" noChangeArrowheads="1"/>
-          </p:cNvPicPr>
-          <p:nvPr/>
-        </p:nvPicPr>
-        <p:blipFill>
-          <a:blip r:embed="rId3">
-            <a:extLst>
-              <a:ext uri="{28A0092B-C50C-407E-A947-70E740481C1C}">
-                <a14:useLocalDpi xmlns:a14="http://schemas.microsoft.com/office/drawing/2010/main" val="0"/>
-              </a:ext>
-            </a:extLst>
-          </a:blip>
-          <a:srcRect/>
-          <a:stretch>
-            <a:fillRect/>
-          </a:stretch>
-        </p:blipFill>
-        <p:spPr bwMode="auto">
-          <a:xfrm>
-            <a:off x="4572000" y="533400"/>
-            <a:ext cx="3171825" cy="4953000"/>
-          </a:xfrm>
-          <a:prstGeom prst="rect">
-            <a:avLst/>
-          </a:prstGeom>
-          <a:noFill/>
-          <a:extLst>
-            <a:ext uri="{909E8E84-426E-40DD-AFC4-6F175D3DCCD1}">
-              <a14:hiddenFill xmlns:a14="http://schemas.microsoft.com/office/drawing/2010/main">
-                <a:solidFill>
-                  <a:srgbClr val="FFFFFF"/>
-                </a:solidFill>
-              </a14:hiddenFill>
-            </a:ext>
-          </a:extLst>
-        </p:spPr>
-      </p:pic>
-    </p:spTree>
-    <p:extLst>
-      <p:ext uri="{BB962C8B-B14F-4D97-AF65-F5344CB8AC3E}">
-        <p14:creationId xmlns:p14="http://schemas.microsoft.com/office/powerpoint/2010/main" val="3414237604"/>
-      </p:ext>
-    </p:extLst>
-  </p:cSld>
-  <p:clrMapOvr>
-    <a:masterClrMapping/>
-  </p:clrMapOvr>
-</p:sld>
-</file>
-
-<file path=ppt/slides/slide9.xml><?xml version="1.0" encoding="utf-8"?>
-<p:sld xmlns:a="http://schemas.openxmlformats.org/drawingml/2006/main" xmlns:r="http://schemas.openxmlformats.org/officeDocument/2006/relationships" xmlns:p="http://schemas.openxmlformats.org/presentationml/2006/main">
-  <p:cSld>
-    <p:spTree>
-      <p:nvGrpSpPr>
-        <p:cNvPr id="1" name=""/>
-        <p:cNvGrpSpPr/>
-        <p:nvPr/>
-      </p:nvGrpSpPr>
-      <p:grpSpPr>
-        <a:xfrm>
-          <a:off x="0" y="0"/>
-          <a:ext cx="0" cy="0"/>
-          <a:chOff x="0" y="0"/>
-          <a:chExt cx="0" cy="0"/>
-        </a:xfrm>
-      </p:grpSpPr>
-      <p:sp>
-        <p:nvSpPr>
-          <p:cNvPr id="2" name="Title 1"/>
-          <p:cNvSpPr>
-            <a:spLocks noGrp="1"/>
-          </p:cNvSpPr>
-          <p:nvPr>
-            <p:ph type="title"/>
-          </p:nvPr>
-        </p:nvSpPr>
-        <p:spPr>
-          <a:xfrm>
-            <a:off x="228600" y="1524000"/>
-            <a:ext cx="8183880" cy="2438400"/>
-          </a:xfrm>
-        </p:spPr>
-        <p:txBody>
-          <a:bodyPr>
-            <a:normAutofit/>
-          </a:bodyPr>
-          <a:lstStyle/>
-          <a:p>
-            <a:pPr algn="ctr"/>
-            <a:r>
-              <a:rPr lang="en-US" sz="4800" dirty="0" err="1" smtClean="0"/>
-              <a:t>Cảm</a:t>
-            </a:r>
-            <a:r>
-              <a:rPr lang="en-US" sz="4800" dirty="0" smtClean="0"/>
-              <a:t> </a:t>
-            </a:r>
-            <a:r>
-              <a:rPr lang="en-US" sz="4800" dirty="0" err="1" smtClean="0"/>
-              <a:t>ơn</a:t>
-            </a:r>
-            <a:r>
-              <a:rPr lang="en-US" sz="4800" dirty="0" smtClean="0"/>
-              <a:t> </a:t>
-            </a:r>
-            <a:br>
-              <a:rPr lang="en-US" sz="4800" dirty="0" smtClean="0"/>
-            </a:br>
-            <a:r>
-              <a:rPr lang="en-US" sz="4800" dirty="0" err="1" smtClean="0"/>
-              <a:t>Thầy</a:t>
-            </a:r>
-            <a:r>
-              <a:rPr lang="en-US" sz="4800" dirty="0" smtClean="0"/>
-              <a:t> </a:t>
-            </a:r>
-            <a:r>
-              <a:rPr lang="en-US" sz="4800" dirty="0" err="1" smtClean="0"/>
-              <a:t>và</a:t>
-            </a:r>
-            <a:r>
-              <a:rPr lang="en-US" sz="4800" dirty="0" smtClean="0"/>
-              <a:t> </a:t>
-            </a:r>
-            <a:r>
-              <a:rPr lang="en-US" sz="4800" dirty="0" err="1" smtClean="0"/>
-              <a:t>các</a:t>
-            </a:r>
-            <a:r>
-              <a:rPr lang="en-US" sz="4800" dirty="0" smtClean="0"/>
-              <a:t> </a:t>
-            </a:r>
-            <a:r>
-              <a:rPr lang="en-US" sz="4800" dirty="0" err="1" smtClean="0"/>
-              <a:t>Bạn</a:t>
-            </a:r>
-            <a:r>
-              <a:rPr lang="en-US" sz="4800" dirty="0" smtClean="0"/>
-              <a:t> </a:t>
-            </a:r>
-            <a:br>
-              <a:rPr lang="en-US" sz="4800" dirty="0" smtClean="0"/>
-            </a:br>
-            <a:r>
-              <a:rPr lang="en-US" sz="4800" dirty="0" err="1" smtClean="0"/>
-              <a:t>đã</a:t>
-            </a:r>
-            <a:r>
-              <a:rPr lang="en-US" sz="4800" dirty="0" smtClean="0"/>
-              <a:t> </a:t>
-            </a:r>
-            <a:r>
-              <a:rPr lang="en-US" sz="4800" dirty="0" err="1" smtClean="0"/>
-              <a:t>lắng</a:t>
-            </a:r>
-            <a:r>
-              <a:rPr lang="en-US" sz="4800" dirty="0" smtClean="0"/>
-              <a:t> </a:t>
-            </a:r>
-            <a:r>
-              <a:rPr lang="en-US" sz="4800" dirty="0" err="1" smtClean="0"/>
-              <a:t>nghe</a:t>
-            </a:r>
-            <a:endParaRPr lang="en-US" sz="4800" dirty="0"/>
-          </a:p>
-        </p:txBody>
-      </p:sp>
-    </p:spTree>
-    <p:extLst>
-      <p:ext uri="{BB962C8B-B14F-4D97-AF65-F5344CB8AC3E}">
-        <p14:creationId xmlns:p14="http://schemas.microsoft.com/office/powerpoint/2010/main" val="2706545983"/>
       </p:ext>
     </p:extLst>
   </p:cSld>
